--- a/CDMO_Automation/00_Annual_Update/Reserve_Level_Template/template_files/empty_template/Reserve_Level_Template.pptx
+++ b/CDMO_Automation/00_Annual_Update/Reserve_Level_Template/template_files/empty_template/Reserve_Level_Template.pptx
@@ -243,7 +243,7 @@
           <a:lstStyle/>
           <a:p>
             <a:r>
-              <a:rPr lang="en-US" sz="2000" b="1" dirty="0" smtClean="0">
+              <a:rPr lang="en-US" sz="2000" b="1" dirty="0">
                 <a:solidFill>
                   <a:schemeClr val="tx1">
                     <a:lumMod val="65000"/>
@@ -426,32 +426,17 @@
                 </a:solidFill>
                 <a:latin typeface="+mj-lt"/>
               </a:rPr>
-              <a:t>prevent </a:t>
-            </a:r>
-            <a:r>
-              <a:rPr lang="en-US" sz="1600" b="1" dirty="0" smtClean="0">
+              <a:t>prevent problems</a:t>
+            </a:r>
+            <a:r>
+              <a:rPr lang="en-US" sz="1600" dirty="0">
                 <a:solidFill>
                   <a:srgbClr val="444E65"/>
                 </a:solidFill>
                 <a:latin typeface="+mj-lt"/>
               </a:rPr>
-              <a:t>problems</a:t>
-            </a:r>
-            <a:r>
-              <a:rPr lang="en-US" sz="1600" dirty="0" smtClean="0">
-                <a:solidFill>
-                  <a:srgbClr val="444E65"/>
-                </a:solidFill>
-                <a:latin typeface="+mj-lt"/>
-              </a:rPr>
               <a:t>.</a:t>
             </a:r>
-            <a:endParaRPr lang="en-US" sz="1600" dirty="0">
-              <a:solidFill>
-                <a:srgbClr val="444E65"/>
-              </a:solidFill>
-              <a:latin typeface="+mj-lt"/>
-            </a:endParaRPr>
           </a:p>
         </p:txBody>
       </p:sp>
@@ -479,10 +464,9 @@
           <a:lstStyle/>
           <a:p>
             <a:r>
-              <a:rPr lang="en-US" dirty="0" smtClean="0"/>
+              <a:rPr lang="en-US" dirty="0"/>
               <a:t>Click icon to add picture</a:t>
             </a:r>
-            <a:endParaRPr lang="en-US" dirty="0"/>
           </a:p>
         </p:txBody>
       </p:sp>
@@ -521,7 +505,7 @@
           <a:p>
             <a:pPr lvl="0"/>
             <a:r>
-              <a:rPr lang="en-US" dirty="0" smtClean="0"/>
+              <a:rPr lang="en-US" dirty="0"/>
               <a:t>Click to edit Master text styles</a:t>
             </a:r>
           </a:p>
@@ -563,7 +547,7 @@
           <a:p>
             <a:pPr lvl="0"/>
             <a:r>
-              <a:rPr lang="en-US" dirty="0" smtClean="0"/>
+              <a:rPr lang="en-US" dirty="0"/>
               <a:t>Click to edit Master text styles</a:t>
             </a:r>
           </a:p>
@@ -603,7 +587,7 @@
           <a:p>
             <a:pPr lvl="0"/>
             <a:r>
-              <a:rPr lang="en-US" dirty="0" smtClean="0"/>
+              <a:rPr lang="en-US" dirty="0"/>
               <a:t>Click to edit Master text styles</a:t>
             </a:r>
           </a:p>
@@ -646,14 +630,14 @@
           <a:p>
             <a:pPr lvl="0"/>
             <a:r>
-              <a:rPr lang="en-US" dirty="0" smtClean="0"/>
+              <a:rPr lang="en-US" dirty="0"/>
               <a:t>Target year highlight </a:t>
             </a:r>
             <a:r>
-              <a:rPr lang="en-US" dirty="0" err="1" smtClean="0"/>
+              <a:rPr lang="en-US" dirty="0" err="1"/>
               <a:t>ttl</a:t>
             </a:r>
-            <a:endParaRPr lang="en-US" dirty="0" smtClean="0"/>
+            <a:endParaRPr lang="en-US" dirty="0"/>
           </a:p>
         </p:txBody>
       </p:sp>
@@ -692,7 +676,7 @@
           <a:p>
             <a:pPr lvl="0"/>
             <a:r>
-              <a:rPr lang="en-US" dirty="0" smtClean="0"/>
+              <a:rPr lang="en-US" dirty="0"/>
               <a:t>Highlight #1</a:t>
             </a:r>
           </a:p>
@@ -733,7 +717,7 @@
           <a:p>
             <a:pPr lvl="0"/>
             <a:r>
-              <a:rPr lang="en-US" dirty="0" smtClean="0"/>
+              <a:rPr lang="en-US" dirty="0"/>
               <a:t>Highlight #2</a:t>
             </a:r>
           </a:p>
@@ -774,7 +758,7 @@
           <a:p>
             <a:pPr lvl="0"/>
             <a:r>
-              <a:rPr lang="en-US" dirty="0" smtClean="0"/>
+              <a:rPr lang="en-US" dirty="0"/>
               <a:t>Highlight #3</a:t>
             </a:r>
           </a:p>
@@ -812,10 +796,9 @@
           </a:lstStyle>
           <a:p>
             <a:r>
-              <a:rPr lang="en-US" dirty="0" smtClean="0"/>
+              <a:rPr lang="en-US" dirty="0"/>
               <a:t>Click to edit Master title style</a:t>
             </a:r>
-            <a:endParaRPr lang="en-US" dirty="0"/>
           </a:p>
         </p:txBody>
       </p:sp>
@@ -849,7 +832,7 @@
           </a:lstStyle>
           <a:p>
             <a:r>
-              <a:rPr lang="en-US" b="1" dirty="0" smtClean="0">
+              <a:rPr lang="en-US" b="1" dirty="0">
                 <a:solidFill>
                   <a:schemeClr val="bg1"/>
                 </a:solidFill>
@@ -859,7 +842,7 @@
           </a:p>
           <a:p>
             <a:r>
-              <a:rPr lang="en-US" b="1" dirty="0" smtClean="0">
+              <a:rPr lang="en-US" b="1" dirty="0">
                 <a:solidFill>
                   <a:schemeClr val="bg1"/>
                 </a:solidFill>
@@ -904,7 +887,7 @@
           <a:p>
             <a:pPr lvl="0"/>
             <a:r>
-              <a:rPr lang="en-US" dirty="0" smtClean="0"/>
+              <a:rPr lang="en-US" dirty="0"/>
               <a:t>Highlight #4</a:t>
             </a:r>
           </a:p>
@@ -935,7 +918,7 @@
           <a:lstStyle/>
           <a:p>
             <a:r>
-              <a:rPr lang="en-US" sz="2000" b="1" dirty="0" smtClean="0">
+              <a:rPr lang="en-US" sz="2000" b="1" dirty="0">
                 <a:solidFill>
                   <a:schemeClr val="tx1">
                     <a:lumMod val="65000"/>
@@ -975,7 +958,7 @@
           <a:lstStyle/>
           <a:p>
             <a:r>
-              <a:rPr lang="en-US" sz="2000" b="1" dirty="0" smtClean="0">
+              <a:rPr lang="en-US" sz="2000" b="1" dirty="0">
                 <a:solidFill>
                   <a:schemeClr val="tx1">
                     <a:lumMod val="65000"/>
@@ -1015,7 +998,7 @@
           <a:lstStyle/>
           <a:p>
             <a:r>
-              <a:rPr lang="en-US" sz="2000" b="1" dirty="0" smtClean="0">
+              <a:rPr lang="en-US" sz="2000" b="1" dirty="0">
                 <a:solidFill>
                   <a:schemeClr val="tx1">
                     <a:lumMod val="65000"/>
@@ -1205,7 +1188,7 @@
               </a:buClr>
               <a:buSzPct val="125000"/>
             </a:pPr>
-            <a:endParaRPr lang="en-US" sz="1400" dirty="0" smtClean="0">
+            <a:endParaRPr lang="en-US" sz="1400" dirty="0">
               <a:solidFill>
                 <a:schemeClr val="tx1">
                   <a:lumMod val="65000"/>
@@ -1311,7 +1294,7 @@
               </a:buClr>
               <a:buSzPct val="125000"/>
             </a:pPr>
-            <a:endParaRPr lang="en-US" sz="1400" dirty="0" smtClean="0">
+            <a:endParaRPr lang="en-US" sz="1400" dirty="0">
               <a:solidFill>
                 <a:schemeClr val="tx1">
                   <a:lumMod val="65000"/>
@@ -1364,7 +1347,7 @@
               </a:buClr>
               <a:buSzPct val="125000"/>
             </a:pPr>
-            <a:endParaRPr lang="en-US" sz="1400" dirty="0" smtClean="0">
+            <a:endParaRPr lang="en-US" sz="1400" dirty="0">
               <a:solidFill>
                 <a:schemeClr val="tx1">
                   <a:lumMod val="65000"/>
@@ -1411,10 +1394,10 @@
           <a:p>
             <a:pPr lvl="0"/>
             <a:r>
-              <a:rPr lang="en-US" smtClean="0"/>
+              <a:rPr lang="en-US"/>
               <a:t>Highlight #5</a:t>
             </a:r>
-            <a:endParaRPr lang="en-US" dirty="0" smtClean="0"/>
+            <a:endParaRPr lang="en-US" dirty="0"/>
           </a:p>
         </p:txBody>
       </p:sp>
@@ -1453,7 +1436,7 @@
           <a:p>
             <a:pPr lvl="0"/>
             <a:r>
-              <a:rPr lang="en-US" dirty="0" smtClean="0"/>
+              <a:rPr lang="en-US" dirty="0"/>
               <a:t>Highlight #1</a:t>
             </a:r>
           </a:p>
@@ -1494,7 +1477,7 @@
           <a:p>
             <a:pPr lvl="0"/>
             <a:r>
-              <a:rPr lang="en-US" dirty="0" smtClean="0"/>
+              <a:rPr lang="en-US" dirty="0"/>
               <a:t>Highlight #3</a:t>
             </a:r>
           </a:p>
@@ -1535,7 +1518,7 @@
           <a:p>
             <a:pPr lvl="0"/>
             <a:r>
-              <a:rPr lang="en-US" dirty="0" smtClean="0"/>
+              <a:rPr lang="en-US" dirty="0"/>
               <a:t>Highlight #2</a:t>
             </a:r>
           </a:p>
@@ -1576,7 +1559,7 @@
           <a:p>
             <a:pPr lvl="0"/>
             <a:r>
-              <a:rPr lang="en-US" dirty="0" smtClean="0"/>
+              <a:rPr lang="en-US" dirty="0"/>
               <a:t>Highlight #4	</a:t>
             </a:r>
           </a:p>
@@ -1611,10 +1594,9 @@
           </a:lstStyle>
           <a:p>
             <a:r>
-              <a:rPr lang="en-US" dirty="0" smtClean="0"/>
+              <a:rPr lang="en-US" dirty="0"/>
               <a:t>Map</a:t>
             </a:r>
-            <a:endParaRPr lang="en-US" dirty="0"/>
           </a:p>
         </p:txBody>
       </p:sp>
@@ -1641,65 +1623,26 @@
           <a:p>
             <a:pPr algn="ctr"/>
             <a:r>
-              <a:rPr lang="en-US" sz="1050" b="1" i="1" dirty="0" smtClean="0">
+              <a:rPr lang="en-US" sz="1050" b="1" i="1" dirty="0">
                 <a:solidFill>
                   <a:srgbClr val="444E65"/>
                 </a:solidFill>
                 <a:latin typeface="Garamond" panose="02020404030301010803" pitchFamily="18" charset="0"/>
               </a:rPr>
-              <a:t>Weather data helps scientists and managers understand water circulation patterns, plant growth, shellfish and fish distribution, storm frequency </a:t>
-            </a:r>
-            <a:r>
-              <a:rPr lang="en-US" sz="1050" b="1" i="1" dirty="0" smtClean="0">
+              <a:t>Weather data helps scientists and managers understand water circulation patterns, plant growth, shellfish and fish distribution, storm frequency and intensity and </a:t>
+            </a:r>
+          </a:p>
+          <a:p>
+            <a:pPr algn="ctr"/>
+            <a:r>
+              <a:rPr lang="en-US" sz="1050" b="1" i="1" dirty="0">
                 <a:solidFill>
                   <a:srgbClr val="444E65"/>
                 </a:solidFill>
                 <a:latin typeface="Garamond" panose="02020404030301010803" pitchFamily="18" charset="0"/>
               </a:rPr>
-              <a:t>and </a:t>
-            </a:r>
-            <a:r>
-              <a:rPr lang="en-US" sz="1050" b="1" i="1" dirty="0" smtClean="0">
-                <a:solidFill>
-                  <a:srgbClr val="444E65"/>
-                </a:solidFill>
-                <a:latin typeface="Garamond" panose="02020404030301010803" pitchFamily="18" charset="0"/>
-              </a:rPr>
-              <a:t>intensity and </a:t>
-            </a:r>
-            <a:endParaRPr lang="en-US" sz="1050" b="1" i="1" dirty="0" smtClean="0">
-              <a:solidFill>
-                <a:srgbClr val="444E65"/>
-              </a:solidFill>
-              <a:latin typeface="Garamond" panose="02020404030301010803" pitchFamily="18" charset="0"/>
-            </a:endParaRPr>
-          </a:p>
-          <a:p>
-            <a:pPr algn="ctr"/>
-            <a:r>
-              <a:rPr lang="en-US" sz="1050" b="1" i="1" dirty="0" smtClean="0">
-                <a:solidFill>
-                  <a:srgbClr val="444E65"/>
-                </a:solidFill>
-                <a:latin typeface="Garamond" panose="02020404030301010803" pitchFamily="18" charset="0"/>
-              </a:rPr>
-              <a:t>much </a:t>
-            </a:r>
-            <a:r>
-              <a:rPr lang="en-US" sz="1050" b="1" i="1" dirty="0" smtClean="0">
-                <a:solidFill>
-                  <a:srgbClr val="444E65"/>
-                </a:solidFill>
-                <a:latin typeface="Garamond" panose="02020404030301010803" pitchFamily="18" charset="0"/>
-              </a:rPr>
-              <a:t>more…</a:t>
-            </a:r>
-            <a:endParaRPr lang="en-US" sz="1050" b="1" i="1" dirty="0">
-              <a:solidFill>
-                <a:srgbClr val="444E65"/>
-              </a:solidFill>
-              <a:latin typeface="Garamond" panose="02020404030301010803" pitchFamily="18" charset="0"/>
-            </a:endParaRPr>
+              <a:t>much more…</a:t>
+            </a:r>
           </a:p>
         </p:txBody>
       </p:sp>
@@ -1737,7 +1680,7 @@
           <a:p>
             <a:pPr lvl="0"/>
             <a:r>
-              <a:rPr lang="en-US" dirty="0" smtClean="0"/>
+              <a:rPr lang="en-US" dirty="0"/>
               <a:t>Click to edit Master text styles</a:t>
             </a:r>
           </a:p>
@@ -1778,7 +1721,7 @@
           <a:p>
             <a:pPr lvl="0"/>
             <a:r>
-              <a:rPr lang="en-US" dirty="0" smtClean="0"/>
+              <a:rPr lang="en-US" dirty="0"/>
               <a:t>How Is Our Estuary Changing?</a:t>
             </a:r>
           </a:p>
@@ -1818,7 +1761,7 @@
           <a:p>
             <a:pPr lvl="0"/>
             <a:r>
-              <a:rPr lang="en-US" dirty="0" smtClean="0"/>
+              <a:rPr lang="en-US" dirty="0"/>
               <a:t>Click to edit Master text styles</a:t>
             </a:r>
           </a:p>
@@ -1871,7 +1814,7 @@
           <a:p>
             <a:pPr lvl="0"/>
             <a:r>
-              <a:rPr lang="en-US" dirty="0" smtClean="0"/>
+              <a:rPr lang="en-US" dirty="0"/>
               <a:t>Click to edit Master text styles</a:t>
             </a:r>
           </a:p>
@@ -1910,7 +1853,7 @@
           <a:p>
             <a:pPr lvl="0"/>
             <a:r>
-              <a:rPr lang="en-US" dirty="0" smtClean="0"/>
+              <a:rPr lang="en-US" dirty="0"/>
               <a:t>Click to edit Master text styles</a:t>
             </a:r>
           </a:p>
@@ -1949,7 +1892,7 @@
           <a:p>
             <a:pPr lvl="0"/>
             <a:r>
-              <a:rPr lang="en-US" dirty="0" smtClean="0"/>
+              <a:rPr lang="en-US" dirty="0"/>
               <a:t>Click to edit Master text styles</a:t>
             </a:r>
           </a:p>
@@ -1992,7 +1935,7 @@
               <a:t>WEATHER</a:t>
             </a:r>
             <a:r>
-              <a:rPr lang="en-US" sz="1400" dirty="0" smtClean="0">
+              <a:rPr lang="en-US" sz="1400" dirty="0">
                 <a:solidFill>
                   <a:schemeClr val="tx1">
                     <a:lumMod val="75000"/>
@@ -2001,103 +1944,7 @@
                 </a:solidFill>
                 <a:latin typeface="Garamond" panose="02020404030301010803" pitchFamily="18" charset="0"/>
               </a:rPr>
-              <a:t> </a:t>
-            </a:r>
-            <a:r>
-              <a:rPr lang="en-US" sz="1400" dirty="0">
-                <a:solidFill>
-                  <a:schemeClr val="tx1">
-                    <a:lumMod val="75000"/>
-                    <a:lumOff val="25000"/>
-                  </a:schemeClr>
-                </a:solidFill>
-                <a:latin typeface="Garamond" panose="02020404030301010803" pitchFamily="18" charset="0"/>
-              </a:rPr>
-              <a:t>is what you see outside on any particular </a:t>
-            </a:r>
-            <a:r>
-              <a:rPr lang="en-US" sz="1400" dirty="0" smtClean="0">
-                <a:solidFill>
-                  <a:schemeClr val="tx1">
-                    <a:lumMod val="75000"/>
-                    <a:lumOff val="25000"/>
-                  </a:schemeClr>
-                </a:solidFill>
-                <a:latin typeface="Garamond" panose="02020404030301010803" pitchFamily="18" charset="0"/>
-              </a:rPr>
-              <a:t>day in terms of precipitation, temperature</a:t>
-            </a:r>
-            <a:r>
-              <a:rPr lang="en-US" sz="1400" dirty="0">
-                <a:solidFill>
-                  <a:schemeClr val="tx1">
-                    <a:lumMod val="75000"/>
-                    <a:lumOff val="25000"/>
-                  </a:schemeClr>
-                </a:solidFill>
-                <a:latin typeface="Garamond" panose="02020404030301010803" pitchFamily="18" charset="0"/>
-              </a:rPr>
-              <a:t>, humidity, </a:t>
-            </a:r>
-            <a:r>
-              <a:rPr lang="en-US" sz="1400" dirty="0" smtClean="0">
-                <a:solidFill>
-                  <a:schemeClr val="tx1">
-                    <a:lumMod val="75000"/>
-                    <a:lumOff val="25000"/>
-                  </a:schemeClr>
-                </a:solidFill>
-                <a:latin typeface="Garamond" panose="02020404030301010803" pitchFamily="18" charset="0"/>
-              </a:rPr>
-              <a:t>cloudiness</a:t>
-            </a:r>
-            <a:r>
-              <a:rPr lang="en-US" sz="1400" dirty="0">
-                <a:solidFill>
-                  <a:schemeClr val="tx1">
-                    <a:lumMod val="75000"/>
-                    <a:lumOff val="25000"/>
-                  </a:schemeClr>
-                </a:solidFill>
-                <a:latin typeface="Garamond" panose="02020404030301010803" pitchFamily="18" charset="0"/>
-              </a:rPr>
-              <a:t>, </a:t>
-            </a:r>
-            <a:r>
-              <a:rPr lang="en-US" sz="1400" dirty="0" smtClean="0">
-                <a:solidFill>
-                  <a:schemeClr val="tx1">
-                    <a:lumMod val="75000"/>
-                    <a:lumOff val="25000"/>
-                  </a:schemeClr>
-                </a:solidFill>
-                <a:latin typeface="Garamond" panose="02020404030301010803" pitchFamily="18" charset="0"/>
-              </a:rPr>
-              <a:t>visibility </a:t>
-            </a:r>
-            <a:r>
-              <a:rPr lang="en-US" sz="1400" dirty="0">
-                <a:solidFill>
-                  <a:schemeClr val="tx1">
-                    <a:lumMod val="75000"/>
-                    <a:lumOff val="25000"/>
-                  </a:schemeClr>
-                </a:solidFill>
-                <a:latin typeface="Garamond" panose="02020404030301010803" pitchFamily="18" charset="0"/>
-              </a:rPr>
-              <a:t>and </a:t>
-            </a:r>
-            <a:r>
-              <a:rPr lang="en-US" sz="1400" dirty="0" smtClean="0">
-                <a:solidFill>
-                  <a:schemeClr val="tx1">
-                    <a:lumMod val="75000"/>
-                    <a:lumOff val="25000"/>
-                  </a:schemeClr>
-                </a:solidFill>
-                <a:latin typeface="Garamond" panose="02020404030301010803" pitchFamily="18" charset="0"/>
-              </a:rPr>
-              <a:t>wind. </a:t>
+              <a:t> is what you see outside on any particular day in terms of precipitation, temperature, humidity, cloudiness, visibility and wind. </a:t>
             </a:r>
           </a:p>
           <a:p>
@@ -2106,7 +1953,7 @@
                 <a:spcPts val="1700"/>
               </a:lnSpc>
             </a:pPr>
-            <a:endParaRPr lang="en-US" sz="1400" b="1" dirty="0" smtClean="0">
+            <a:endParaRPr lang="en-US" sz="1400" b="1" dirty="0">
               <a:solidFill>
                 <a:schemeClr val="tx1">
                   <a:lumMod val="65000"/>
@@ -2175,7 +2022,7 @@
               </a:lnSpc>
             </a:pPr>
             <a:r>
-              <a:rPr lang="en-US" sz="1400" b="1" dirty="0" smtClean="0">
+              <a:rPr lang="en-US" sz="1400" b="1" dirty="0">
                 <a:solidFill>
                   <a:srgbClr val="444E65"/>
                 </a:solidFill>
@@ -2184,7 +2031,7 @@
               <a:t>CLIMATE</a:t>
             </a:r>
             <a:r>
-              <a:rPr lang="en-US" sz="1400" dirty="0" smtClean="0">
+              <a:rPr lang="en-US" sz="1400" dirty="0">
                 <a:solidFill>
                   <a:schemeClr val="tx1">
                     <a:lumMod val="75000"/>
@@ -2193,53 +2040,8 @@
                 </a:solidFill>
                 <a:latin typeface="Garamond" panose="02020404030301010803" pitchFamily="18" charset="0"/>
               </a:rPr>
-              <a:t> </a:t>
-            </a:r>
-            <a:r>
-              <a:rPr lang="en-US" sz="1400" dirty="0">
-                <a:solidFill>
-                  <a:schemeClr val="tx1">
-                    <a:lumMod val="75000"/>
-                    <a:lumOff val="25000"/>
-                  </a:schemeClr>
-                </a:solidFill>
-                <a:latin typeface="Garamond" panose="02020404030301010803" pitchFamily="18" charset="0"/>
-              </a:rPr>
-              <a:t>tells us </a:t>
-            </a:r>
-            <a:r>
-              <a:rPr lang="en-US" sz="1400" dirty="0" smtClean="0">
-                <a:solidFill>
-                  <a:schemeClr val="tx1">
-                    <a:lumMod val="75000"/>
-                    <a:lumOff val="25000"/>
-                  </a:schemeClr>
-                </a:solidFill>
-                <a:latin typeface="Garamond" panose="02020404030301010803" pitchFamily="18" charset="0"/>
-              </a:rPr>
-              <a:t>the </a:t>
-            </a:r>
-            <a:r>
-              <a:rPr lang="en-US" sz="1400" dirty="0">
-                <a:solidFill>
-                  <a:schemeClr val="tx1">
-                    <a:lumMod val="75000"/>
-                    <a:lumOff val="25000"/>
-                  </a:schemeClr>
-                </a:solidFill>
-                <a:latin typeface="Garamond" panose="02020404030301010803" pitchFamily="18" charset="0"/>
-              </a:rPr>
-              <a:t>average daily weather for an extended period of time (years, decades, centuries) at a </a:t>
-            </a:r>
-            <a:endParaRPr lang="en-US" sz="1400" dirty="0" smtClean="0">
-              <a:solidFill>
-                <a:schemeClr val="tx1">
-                  <a:lumMod val="75000"/>
-                  <a:lumOff val="25000"/>
-                </a:schemeClr>
-              </a:solidFill>
-              <a:latin typeface="Garamond" panose="02020404030301010803" pitchFamily="18" charset="0"/>
-            </a:endParaRPr>
+              <a:t> tells us the average daily weather for an extended period of time (years, decades, centuries) at a </a:t>
+            </a:r>
           </a:p>
           <a:p>
             <a:pPr>
@@ -2248,7 +2050,7 @@
               </a:lnSpc>
             </a:pPr>
             <a:r>
-              <a:rPr lang="en-US" sz="1400" dirty="0" smtClean="0">
+              <a:rPr lang="en-US" sz="1400" dirty="0">
                 <a:solidFill>
                   <a:schemeClr val="tx1">
                     <a:lumMod val="75000"/>
@@ -2257,19 +2059,7 @@
                 </a:solidFill>
                 <a:latin typeface="Garamond" panose="02020404030301010803" pitchFamily="18" charset="0"/>
               </a:rPr>
-              <a:t>certain </a:t>
-            </a:r>
-            <a:r>
-              <a:rPr lang="en-US" sz="1400" dirty="0">
-                <a:solidFill>
-                  <a:schemeClr val="tx1">
-                    <a:lumMod val="75000"/>
-                    <a:lumOff val="25000"/>
-                  </a:schemeClr>
-                </a:solidFill>
-                <a:latin typeface="Garamond" panose="02020404030301010803" pitchFamily="18" charset="0"/>
-              </a:rPr>
-              <a:t>location. </a:t>
+              <a:t>certain location. </a:t>
             </a:r>
           </a:p>
         </p:txBody>
@@ -2305,7 +2095,7 @@
               <a:buNone/>
             </a:pPr>
             <a:r>
-              <a:rPr lang="en-US" sz="1800" dirty="0" smtClean="0">
+              <a:rPr lang="en-US" sz="1800" dirty="0">
                 <a:solidFill>
                   <a:srgbClr val="444E65">
                     <a:alpha val="100000"/>
@@ -2328,7 +2118,7 @@
               <a:buNone/>
             </a:pPr>
             <a:r>
-              <a:rPr lang="en-US" sz="1800" dirty="0" smtClean="0">
+              <a:rPr lang="en-US" sz="1800" dirty="0">
                 <a:solidFill>
                   <a:srgbClr val="444E65">
                     <a:alpha val="100000"/>
@@ -2339,15 +2129,6 @@
               </a:rPr>
               <a:t>What is the Difference?</a:t>
             </a:r>
-            <a:endParaRPr lang="en-US" sz="1800" dirty="0">
-              <a:solidFill>
-                <a:srgbClr val="444E65">
-                  <a:alpha val="100000"/>
-                </a:srgbClr>
-              </a:solidFill>
-              <a:latin typeface="Calibri-Light"/>
-              <a:cs typeface="Calibri-Light"/>
-            </a:endParaRPr>
           </a:p>
         </p:txBody>
       </p:sp>
@@ -2381,7 +2162,7 @@
           <a:p>
             <a:pPr lvl="0"/>
             <a:r>
-              <a:rPr lang="en-US" dirty="0" smtClean="0"/>
+              <a:rPr lang="en-US" dirty="0"/>
               <a:t>Click to edit Master text styles</a:t>
             </a:r>
           </a:p>
@@ -2417,7 +2198,7 @@
           <a:p>
             <a:pPr lvl="0"/>
             <a:r>
-              <a:rPr lang="en-US" dirty="0" smtClean="0"/>
+              <a:rPr lang="en-US" dirty="0"/>
               <a:t>Click to edit Master text styles</a:t>
             </a:r>
           </a:p>
@@ -2514,7 +2295,7 @@
             <a:lstStyle/>
             <a:p>
               <a:r>
-                <a:rPr lang="en-US" sz="750" b="1" dirty="0" smtClean="0">
+                <a:rPr lang="en-US" sz="750" b="1" dirty="0">
                   <a:solidFill>
                     <a:schemeClr val="bg1">
                       <a:lumMod val="95000"/>
@@ -2639,7 +2420,7 @@
             <a:lstStyle/>
             <a:p>
               <a:r>
-                <a:rPr lang="en-US" sz="750" b="1" dirty="0" smtClean="0">
+                <a:rPr lang="en-US" sz="750" b="1" dirty="0">
                   <a:solidFill>
                     <a:schemeClr val="bg1">
                       <a:lumMod val="95000"/>
@@ -2650,15 +2431,6 @@
                 </a:rPr>
                 <a:t>Increasing  </a:t>
               </a:r>
-              <a:endParaRPr lang="en-US" sz="750" b="1" dirty="0">
-                <a:solidFill>
-                  <a:schemeClr val="bg1">
-                    <a:lumMod val="95000"/>
-                  </a:schemeClr>
-                </a:solidFill>
-                <a:latin typeface="Arial" panose="020B0604020202020204" pitchFamily="34" charset="0"/>
-                <a:cs typeface="Arial" panose="020B0604020202020204" pitchFamily="34" charset="0"/>
-              </a:endParaRPr>
             </a:p>
           </p:txBody>
         </p:sp>
@@ -2733,7 +2505,7 @@
             <a:lstStyle/>
             <a:p>
               <a:r>
-                <a:rPr lang="en-US" sz="900" b="1" dirty="0" smtClean="0">
+                <a:rPr lang="en-US" sz="900" b="1" dirty="0">
                   <a:solidFill>
                     <a:schemeClr val="bg1"/>
                   </a:solidFill>
@@ -2772,7 +2544,7 @@
             <a:lstStyle/>
             <a:p>
               <a:r>
-                <a:rPr lang="en-US" sz="750" b="1" dirty="0" smtClean="0">
+                <a:rPr lang="en-US" sz="750" b="1" dirty="0">
                   <a:solidFill>
                     <a:schemeClr val="bg1">
                       <a:lumMod val="95000"/>
@@ -2783,15 +2555,6 @@
                 </a:rPr>
                 <a:t>Decreasing </a:t>
               </a:r>
-              <a:endParaRPr lang="en-US" sz="750" b="1" dirty="0">
-                <a:solidFill>
-                  <a:schemeClr val="bg1">
-                    <a:lumMod val="95000"/>
-                  </a:schemeClr>
-                </a:solidFill>
-                <a:latin typeface="Arial" panose="020B0604020202020204" pitchFamily="34" charset="0"/>
-                <a:cs typeface="Arial" panose="020B0604020202020204" pitchFamily="34" charset="0"/>
-              </a:endParaRPr>
             </a:p>
           </p:txBody>
         </p:sp>
@@ -2866,7 +2629,7 @@
             <a:lstStyle/>
             <a:p>
               <a:r>
-                <a:rPr lang="en-US" sz="900" b="1" dirty="0" smtClean="0">
+                <a:rPr lang="en-US" sz="900" b="1" dirty="0">
                   <a:solidFill>
                     <a:schemeClr val="bg1"/>
                   </a:solidFill>
@@ -2905,7 +2668,7 @@
             <a:lstStyle/>
             <a:p>
               <a:r>
-                <a:rPr lang="en-US" sz="750" b="1" dirty="0" smtClean="0">
+                <a:rPr lang="en-US" sz="750" b="1" dirty="0">
                   <a:solidFill>
                     <a:schemeClr val="bg1">
                       <a:lumMod val="95000"/>
@@ -2916,15 +2679,6 @@
                 </a:rPr>
                 <a:t>Insufficient Data</a:t>
               </a:r>
-              <a:endParaRPr lang="en-US" sz="750" b="1" dirty="0">
-                <a:solidFill>
-                  <a:schemeClr val="bg1">
-                    <a:lumMod val="95000"/>
-                  </a:schemeClr>
-                </a:solidFill>
-                <a:latin typeface="Arial" panose="020B0604020202020204" pitchFamily="34" charset="0"/>
-                <a:cs typeface="Arial" panose="020B0604020202020204" pitchFamily="34" charset="0"/>
-              </a:endParaRPr>
             </a:p>
           </p:txBody>
         </p:sp>
@@ -2973,7 +2727,7 @@
             <a:p>
               <a:pPr algn="ctr"/>
               <a:r>
-                <a:rPr lang="en-US" sz="900" dirty="0" smtClean="0">
+                <a:rPr lang="en-US" sz="900" dirty="0">
                   <a:solidFill>
                     <a:schemeClr val="bg1">
                       <a:lumMod val="65000"/>
@@ -2982,13 +2736,6 @@
                 </a:rPr>
                 <a:t>X</a:t>
               </a:r>
-              <a:endParaRPr lang="en-US" sz="900" dirty="0">
-                <a:solidFill>
-                  <a:schemeClr val="bg1">
-                    <a:lumMod val="65000"/>
-                  </a:schemeClr>
-                </a:solidFill>
-              </a:endParaRPr>
             </a:p>
           </p:txBody>
         </p:sp>
@@ -3052,7 +2799,7 @@
                 <a:spcPts val="1700"/>
               </a:lnSpc>
             </a:pPr>
-            <a:endParaRPr lang="en-US" sz="1250" dirty="0" smtClean="0">
+            <a:endParaRPr lang="en-US" sz="1250" dirty="0">
               <a:solidFill>
                 <a:schemeClr val="bg1"/>
               </a:solidFill>
@@ -3096,10 +2843,9 @@
           <a:p>
             <a:pPr lvl="0"/>
             <a:r>
-              <a:rPr lang="en-US" dirty="0" smtClean="0"/>
+              <a:rPr lang="en-US" dirty="0"/>
               <a:t>Case Study introduction</a:t>
             </a:r>
-            <a:endParaRPr lang="en-US" dirty="0"/>
           </a:p>
         </p:txBody>
       </p:sp>
@@ -3138,7 +2884,7 @@
           <a:p>
             <a:pPr lvl="0"/>
             <a:r>
-              <a:rPr lang="en-US" dirty="0" smtClean="0"/>
+              <a:rPr lang="en-US" dirty="0"/>
               <a:t>Explanatory text related to case study plot #1</a:t>
             </a:r>
           </a:p>
@@ -3262,13 +3008,37 @@
           <a:p>
             <a:pPr algn="ctr"/>
             <a:r>
-              <a:rPr lang="en-US" sz="1600" b="1" dirty="0" smtClean="0">
+              <a:rPr lang="en-US" sz="1600" b="1" dirty="0">
                 <a:solidFill>
                   <a:srgbClr val="444E65"/>
                 </a:solidFill>
                 <a:latin typeface="+mj-lt"/>
               </a:rPr>
-              <a:t>Water Quality is </a:t>
+              <a:t>Water Quality is a MAJOR Driver of Ecosystem Change</a:t>
+            </a:r>
+          </a:p>
+          <a:p>
+            <a:pPr algn="ctr"/>
+            <a:r>
+              <a:rPr lang="en-US" sz="1600" dirty="0">
+                <a:solidFill>
+                  <a:srgbClr val="444E65"/>
+                </a:solidFill>
+                <a:latin typeface="+mj-lt"/>
+              </a:rPr>
+              <a:t>What happens on the land affects the quality of the water and the health</a:t>
+            </a:r>
+          </a:p>
+          <a:p>
+            <a:pPr algn="ctr"/>
+            <a:r>
+              <a:rPr lang="en-US" sz="1600" dirty="0">
+                <a:solidFill>
+                  <a:srgbClr val="444E65"/>
+                </a:solidFill>
+                <a:latin typeface="+mj-lt"/>
+              </a:rPr>
+              <a:t> of the plants and animals that live in the estuary. </a:t>
             </a:r>
             <a:r>
               <a:rPr lang="en-US" sz="1600" b="1" dirty="0">
@@ -3277,74 +3047,8 @@
                 </a:solidFill>
                 <a:latin typeface="+mj-lt"/>
               </a:rPr>
-              <a:t>a</a:t>
-            </a:r>
-            <a:r>
-              <a:rPr lang="en-US" sz="1600" b="1" dirty="0" smtClean="0">
-                <a:solidFill>
-                  <a:srgbClr val="444E65"/>
-                </a:solidFill>
-                <a:latin typeface="+mj-lt"/>
-              </a:rPr>
-              <a:t> MAJOR Driver of Ecosystem Change</a:t>
-            </a:r>
-          </a:p>
-          <a:p>
-            <a:pPr algn="ctr"/>
-            <a:r>
-              <a:rPr lang="en-US" sz="1600" dirty="0">
-                <a:solidFill>
-                  <a:srgbClr val="444E65"/>
-                </a:solidFill>
-                <a:latin typeface="+mj-lt"/>
-              </a:rPr>
-              <a:t>What happens on the land affects the quality of the water and the </a:t>
-            </a:r>
-            <a:r>
-              <a:rPr lang="en-US" sz="1600" dirty="0" smtClean="0">
-                <a:solidFill>
-                  <a:srgbClr val="444E65"/>
-                </a:solidFill>
-                <a:latin typeface="+mj-lt"/>
-              </a:rPr>
-              <a:t>health</a:t>
-            </a:r>
-          </a:p>
-          <a:p>
-            <a:pPr algn="ctr"/>
-            <a:r>
-              <a:rPr lang="en-US" sz="1600" dirty="0" smtClean="0">
-                <a:solidFill>
-                  <a:srgbClr val="444E65"/>
-                </a:solidFill>
-                <a:latin typeface="+mj-lt"/>
-              </a:rPr>
-              <a:t> </a:t>
-            </a:r>
-            <a:r>
-              <a:rPr lang="en-US" sz="1600" dirty="0">
-                <a:solidFill>
-                  <a:srgbClr val="444E65"/>
-                </a:solidFill>
-                <a:latin typeface="+mj-lt"/>
-              </a:rPr>
-              <a:t>of the plants and animals that live in the estuary. </a:t>
-            </a:r>
-            <a:r>
-              <a:rPr lang="en-US" sz="1600" b="1" dirty="0" smtClean="0">
-                <a:solidFill>
-                  <a:srgbClr val="444E65"/>
-                </a:solidFill>
-                <a:latin typeface="+mj-lt"/>
-              </a:rPr>
               <a:t>  </a:t>
             </a:r>
-            <a:endParaRPr lang="en-US" sz="1600" b="1" dirty="0">
-              <a:solidFill>
-                <a:srgbClr val="444E65"/>
-              </a:solidFill>
-              <a:latin typeface="+mj-lt"/>
-            </a:endParaRPr>
           </a:p>
         </p:txBody>
       </p:sp>
@@ -3377,10 +3081,9 @@
           </a:lstStyle>
           <a:p>
             <a:r>
-              <a:rPr lang="en-US" dirty="0" smtClean="0"/>
+              <a:rPr lang="en-US" dirty="0"/>
               <a:t>Trend map</a:t>
             </a:r>
-            <a:endParaRPr lang="en-US" dirty="0"/>
           </a:p>
         </p:txBody>
       </p:sp>
@@ -3446,10 +3149,9 @@
           <a:p>
             <a:pPr lvl="0"/>
             <a:r>
-              <a:rPr lang="en-US" dirty="0" smtClean="0"/>
+              <a:rPr lang="en-US" dirty="0"/>
               <a:t>Case Study Title</a:t>
             </a:r>
-            <a:endParaRPr lang="en-US" dirty="0"/>
           </a:p>
         </p:txBody>
       </p:sp>
@@ -3488,10 +3190,9 @@
           <a:p>
             <a:pPr lvl="0"/>
             <a:r>
-              <a:rPr lang="en-US" dirty="0" smtClean="0"/>
+              <a:rPr lang="en-US" dirty="0"/>
               <a:t>Case study topic #1</a:t>
             </a:r>
-            <a:endParaRPr lang="en-US" dirty="0"/>
           </a:p>
         </p:txBody>
       </p:sp>
@@ -3530,10 +3231,9 @@
           <a:p>
             <a:pPr lvl="0"/>
             <a:r>
-              <a:rPr lang="en-US" dirty="0" smtClean="0"/>
+              <a:rPr lang="en-US" dirty="0"/>
               <a:t>Case study topic #2</a:t>
             </a:r>
-            <a:endParaRPr lang="en-US" dirty="0"/>
           </a:p>
         </p:txBody>
       </p:sp>
@@ -3566,10 +3266,9 @@
           </a:lstStyle>
           <a:p>
             <a:r>
-              <a:rPr lang="en-US" dirty="0" smtClean="0"/>
+              <a:rPr lang="en-US" dirty="0"/>
               <a:t>Case study plot #1</a:t>
             </a:r>
-            <a:endParaRPr lang="en-US" dirty="0"/>
           </a:p>
         </p:txBody>
       </p:sp>
@@ -3597,7 +3296,7 @@
           <a:p>
             <a:pPr algn="ctr"/>
             <a:r>
-              <a:rPr lang="en-US" sz="1050" b="1" i="1" dirty="0" smtClean="0">
+              <a:rPr lang="en-US" sz="1050" b="1" i="1" dirty="0">
                 <a:solidFill>
                   <a:srgbClr val="444E65"/>
                 </a:solidFill>
@@ -3605,12 +3304,6 @@
               </a:rPr>
               <a:t>A critical threshold value is used to determine if a water quality measurement is at a level where negative impacts may occur.</a:t>
             </a:r>
-            <a:endParaRPr lang="en-US" sz="1050" b="1" i="1" dirty="0">
-              <a:solidFill>
-                <a:srgbClr val="444E65"/>
-              </a:solidFill>
-              <a:latin typeface="Garamond" panose="02020404030301010803" pitchFamily="18" charset="0"/>
-            </a:endParaRPr>
           </a:p>
         </p:txBody>
       </p:sp>
@@ -3643,10 +3336,9 @@
           </a:lstStyle>
           <a:p>
             <a:r>
-              <a:rPr lang="en-US" dirty="0" smtClean="0"/>
+              <a:rPr lang="en-US" dirty="0"/>
               <a:t>Case study plot #2</a:t>
             </a:r>
-            <a:endParaRPr lang="en-US" dirty="0"/>
           </a:p>
         </p:txBody>
       </p:sp>
@@ -3685,7 +3377,7 @@
           <a:p>
             <a:pPr lvl="0"/>
             <a:r>
-              <a:rPr lang="en-US" dirty="0" smtClean="0"/>
+              <a:rPr lang="en-US" dirty="0"/>
               <a:t>Explanatory text related to case study plot #2</a:t>
             </a:r>
           </a:p>
@@ -3721,7 +3413,7 @@
           <a:p>
             <a:pPr lvl="0"/>
             <a:r>
-              <a:rPr lang="en-US" dirty="0" smtClean="0"/>
+              <a:rPr lang="en-US" dirty="0"/>
               <a:t>Trend map title</a:t>
             </a:r>
           </a:p>
@@ -3759,7 +3451,7 @@
           <a:p>
             <a:pPr lvl="0"/>
             <a:r>
-              <a:rPr lang="en-US" dirty="0" smtClean="0"/>
+              <a:rPr lang="en-US" dirty="0"/>
               <a:t>Trend map caption</a:t>
             </a:r>
           </a:p>
@@ -3795,14 +3487,14 @@
           <a:p>
             <a:pPr lvl="0"/>
             <a:r>
-              <a:rPr lang="en-US" dirty="0" smtClean="0"/>
+              <a:rPr lang="en-US" dirty="0"/>
               <a:t>Call to Action </a:t>
             </a:r>
             <a:r>
-              <a:rPr lang="en-US" dirty="0" err="1" smtClean="0"/>
+              <a:rPr lang="en-US" dirty="0" err="1"/>
               <a:t>ttl</a:t>
             </a:r>
-            <a:endParaRPr lang="en-US" dirty="0" smtClean="0"/>
+            <a:endParaRPr lang="en-US" dirty="0"/>
           </a:p>
         </p:txBody>
       </p:sp>
@@ -3979,7 +3671,7 @@
                   </a:lnSpc>
                 </a:pPr>
                 <a:r>
-                  <a:rPr lang="en-US" sz="1400" b="1" dirty="0" smtClean="0">
+                  <a:rPr lang="en-US" sz="1400" b="1" dirty="0">
                     <a:solidFill>
                       <a:srgbClr val="247BA0"/>
                     </a:solidFill>
@@ -4024,7 +3716,7 @@
                   </a:lnSpc>
                 </a:pPr>
                 <a:r>
-                  <a:rPr lang="en-US" sz="1400" b="1" dirty="0" smtClean="0">
+                  <a:rPr lang="en-US" sz="1400" b="1" dirty="0">
                     <a:solidFill>
                       <a:srgbClr val="247BA0"/>
                     </a:solidFill>
@@ -4069,7 +3761,7 @@
                   </a:lnSpc>
                 </a:pPr>
                 <a:r>
-                  <a:rPr lang="en-US" sz="1400" b="1" dirty="0" smtClean="0">
+                  <a:rPr lang="en-US" sz="1400" b="1" dirty="0">
                     <a:solidFill>
                       <a:srgbClr val="247BA0"/>
                     </a:solidFill>
@@ -4114,7 +3806,7 @@
                   </a:lnSpc>
                 </a:pPr>
                 <a:r>
-                  <a:rPr lang="en-US" sz="1400" b="1" dirty="0" smtClean="0">
+                  <a:rPr lang="en-US" sz="1400" b="1" dirty="0">
                     <a:solidFill>
                       <a:srgbClr val="247BA0"/>
                     </a:solidFill>
@@ -4522,7 +4214,7 @@
           <a:lstStyle/>
           <a:p>
             <a:r>
-              <a:rPr lang="en-US" b="0" dirty="0" smtClean="0">
+              <a:rPr lang="en-US" b="0" dirty="0">
                 <a:solidFill>
                   <a:srgbClr val="444E65"/>
                 </a:solidFill>
@@ -4530,12 +4222,6 @@
               </a:rPr>
               <a:t>Why Estuaries Matter</a:t>
             </a:r>
-            <a:endParaRPr lang="en-US" b="0" dirty="0">
-              <a:solidFill>
-                <a:srgbClr val="444E65"/>
-              </a:solidFill>
-              <a:latin typeface="Calibri-Light"/>
-            </a:endParaRPr>
           </a:p>
         </p:txBody>
       </p:sp>
@@ -4573,25 +4259,7 @@
                 </a:solidFill>
                 <a:latin typeface="Garamond" panose="02020404030301010803" pitchFamily="18" charset="0"/>
               </a:rPr>
-              <a:t>Coastal shoreline counties provided 53 million jobs </a:t>
-            </a:r>
-            <a:r>
-              <a:rPr lang="en-US" sz="1250" dirty="0" smtClean="0">
-                <a:solidFill>
-                  <a:srgbClr val="404040"/>
-                </a:solidFill>
-                <a:latin typeface="Garamond" panose="02020404030301010803" pitchFamily="18" charset="0"/>
-              </a:rPr>
-              <a:t>and </a:t>
-            </a:r>
-            <a:r>
-              <a:rPr lang="en-US" sz="1250" dirty="0">
-                <a:solidFill>
-                  <a:srgbClr val="404040"/>
-                </a:solidFill>
-                <a:latin typeface="Garamond" panose="02020404030301010803" pitchFamily="18" charset="0"/>
-              </a:rPr>
-              <a:t>contributed $7.4 trillion (nearly 44%) of the nation’s gross domestic product in 2012. </a:t>
+              <a:t>Coastal shoreline counties provided 54.6 million jobs and contributed $9.6 trillion (nearly 45%) of the nation’s gross domestic product in 2020. </a:t>
             </a:r>
             <a:endParaRPr lang="en-US" sz="1250" dirty="0">
               <a:solidFill>
@@ -4635,61 +4303,7 @@
                 </a:solidFill>
                 <a:latin typeface="Garamond" panose="02020404030301010803" pitchFamily="18" charset="0"/>
               </a:rPr>
-              <a:t>Estuaries protect coastal communities by reducing flooding </a:t>
-            </a:r>
-            <a:r>
-              <a:rPr lang="en-US" sz="1250" dirty="0" smtClean="0">
-                <a:solidFill>
-                  <a:srgbClr val="404040"/>
-                </a:solidFill>
-                <a:latin typeface="Garamond" panose="02020404030301010803" pitchFamily="18" charset="0"/>
-              </a:rPr>
-              <a:t>and </a:t>
-            </a:r>
-            <a:r>
-              <a:rPr lang="en-US" sz="1250" dirty="0">
-                <a:solidFill>
-                  <a:srgbClr val="404040"/>
-                </a:solidFill>
-                <a:latin typeface="Garamond" panose="02020404030301010803" pitchFamily="18" charset="0"/>
-              </a:rPr>
-              <a:t>storm surge impacts, enhancing water quality, </a:t>
-            </a:r>
-            <a:r>
-              <a:rPr lang="en-US" sz="1250" dirty="0" smtClean="0">
-                <a:solidFill>
-                  <a:srgbClr val="404040"/>
-                </a:solidFill>
-                <a:latin typeface="Garamond" panose="02020404030301010803" pitchFamily="18" charset="0"/>
-              </a:rPr>
-              <a:t>and </a:t>
-            </a:r>
-            <a:r>
-              <a:rPr lang="en-US" sz="1250" dirty="0">
-                <a:solidFill>
-                  <a:srgbClr val="404040"/>
-                </a:solidFill>
-                <a:latin typeface="Garamond" panose="02020404030301010803" pitchFamily="18" charset="0"/>
-              </a:rPr>
-              <a:t>providing commercial </a:t>
-            </a:r>
-            <a:r>
-              <a:rPr lang="en-US" sz="1250" dirty="0" smtClean="0">
-                <a:solidFill>
-                  <a:srgbClr val="404040"/>
-                </a:solidFill>
-                <a:latin typeface="Garamond" panose="02020404030301010803" pitchFamily="18" charset="0"/>
-              </a:rPr>
-              <a:t>and </a:t>
-            </a:r>
-            <a:r>
-              <a:rPr lang="en-US" sz="1250" dirty="0">
-                <a:solidFill>
-                  <a:srgbClr val="404040"/>
-                </a:solidFill>
-                <a:latin typeface="Garamond" panose="02020404030301010803" pitchFamily="18" charset="0"/>
-              </a:rPr>
-              <a:t>recreational benefits.</a:t>
+              <a:t>Estuaries protect coastal communities by reducing flooding and storm surge impacts, enhancing water quality, and providing commercial and recreational benefits.</a:t>
             </a:r>
           </a:p>
         </p:txBody>
@@ -4722,40 +4336,13 @@
               </a:lnSpc>
             </a:pPr>
             <a:r>
-              <a:rPr lang="en-US" sz="1250" dirty="0" smtClean="0">
+              <a:rPr lang="en-US" sz="1250" dirty="0">
                 <a:solidFill>
                   <a:srgbClr val="404040"/>
                 </a:solidFill>
                 <a:latin typeface="Garamond" panose="02020404030301010803" pitchFamily="18" charset="0"/>
               </a:rPr>
-              <a:t>Up </a:t>
-            </a:r>
-            <a:r>
-              <a:rPr lang="en-US" sz="1250" dirty="0">
-                <a:solidFill>
-                  <a:srgbClr val="404040"/>
-                </a:solidFill>
-                <a:latin typeface="Garamond" panose="02020404030301010803" pitchFamily="18" charset="0"/>
-              </a:rPr>
-              <a:t>to two-thirds of the nation’s commercial fish </a:t>
-            </a:r>
-            <a:r>
-              <a:rPr lang="en-US" sz="1250" dirty="0" smtClean="0">
-                <a:solidFill>
-                  <a:srgbClr val="404040"/>
-                </a:solidFill>
-                <a:latin typeface="Garamond" panose="02020404030301010803" pitchFamily="18" charset="0"/>
-              </a:rPr>
-              <a:t>and </a:t>
-            </a:r>
-            <a:r>
-              <a:rPr lang="en-US" sz="1250" dirty="0">
-                <a:solidFill>
-                  <a:srgbClr val="404040"/>
-                </a:solidFill>
-                <a:latin typeface="Garamond" panose="02020404030301010803" pitchFamily="18" charset="0"/>
-              </a:rPr>
-              <a:t>shellfish spend some part of their life cycle in an estuary or depend on this resource for food.</a:t>
+              <a:t>Up to two-thirds of the nation’s commercial fish and shellfish spend some part of their life cycle in an estuary or depend on this resource for food.</a:t>
             </a:r>
           </a:p>
         </p:txBody>
@@ -4794,34 +4381,7 @@
                 </a:solidFill>
                 <a:latin typeface="Garamond" panose="02020404030301010803" pitchFamily="18" charset="0"/>
               </a:rPr>
-              <a:t>Habitat </a:t>
-            </a:r>
-            <a:r>
-              <a:rPr lang="en-US" sz="1250" dirty="0" smtClean="0">
-                <a:solidFill>
-                  <a:srgbClr val="404040"/>
-                </a:solidFill>
-                <a:latin typeface="Garamond" panose="02020404030301010803" pitchFamily="18" charset="0"/>
-              </a:rPr>
-              <a:t>types include shallow </a:t>
-            </a:r>
-            <a:r>
-              <a:rPr lang="en-US" sz="1250" dirty="0">
-                <a:solidFill>
-                  <a:srgbClr val="404040"/>
-                </a:solidFill>
-                <a:latin typeface="Garamond" panose="02020404030301010803" pitchFamily="18" charset="0"/>
-              </a:rPr>
-              <a:t>open waters, </a:t>
-            </a:r>
-            <a:r>
-              <a:rPr lang="en-US" sz="1250" dirty="0" smtClean="0">
-                <a:solidFill>
-                  <a:srgbClr val="404040"/>
-                </a:solidFill>
-                <a:latin typeface="Garamond" panose="02020404030301010803" pitchFamily="18" charset="0"/>
-              </a:rPr>
-              <a:t>freshwater/salt marshes, swamps,  sandy beaches, mud/sand flats, rocky shores, oyster reefs, mangrove forests, river deltas, tidal pools </a:t>
+              <a:t>Habitat types include shallow open waters, freshwater/salt marshes, swamps,  sandy beaches, mud/sand flats, rocky shores, oyster reefs, mangrove forests, river deltas, tidal pools </a:t>
             </a:r>
           </a:p>
           <a:p>
@@ -4831,7 +4391,7 @@
               </a:lnSpc>
             </a:pPr>
             <a:r>
-              <a:rPr lang="en-US" sz="1250" dirty="0" smtClean="0">
+              <a:rPr lang="en-US" sz="1250" dirty="0">
                 <a:solidFill>
                   <a:srgbClr val="404040"/>
                 </a:solidFill>
@@ -4839,12 +4399,6 @@
               </a:rPr>
               <a:t>and seagrasses.</a:t>
             </a:r>
-            <a:endParaRPr lang="en-US" sz="1250" dirty="0">
-              <a:solidFill>
-                <a:srgbClr val="404040"/>
-              </a:solidFill>
-              <a:latin typeface="Garamond" panose="02020404030301010803" pitchFamily="18" charset="0"/>
-            </a:endParaRPr>
           </a:p>
         </p:txBody>
       </p:sp>
@@ -4952,7 +4506,7 @@
                   </a:lnSpc>
                 </a:pPr>
                 <a:r>
-                  <a:rPr lang="en-US" sz="1400" dirty="0" smtClean="0">
+                  <a:rPr lang="en-US" sz="1400" dirty="0">
                     <a:solidFill>
                       <a:schemeClr val="bg1"/>
                     </a:solidFill>
@@ -4961,7 +4515,7 @@
                   <a:t>The </a:t>
                 </a:r>
                 <a:r>
-                  <a:rPr lang="en-US" sz="1400" b="1" dirty="0" smtClean="0">
+                  <a:rPr lang="en-US" sz="1400" b="1" dirty="0">
                     <a:solidFill>
                       <a:schemeClr val="bg1"/>
                     </a:solidFill>
@@ -4970,7 +4524,7 @@
                   <a:t>NERRS</a:t>
                 </a:r>
                 <a:r>
-                  <a:rPr lang="en-US" sz="1400" dirty="0" smtClean="0">
+                  <a:rPr lang="en-US" sz="1400" dirty="0">
                     <a:solidFill>
                       <a:schemeClr val="bg1"/>
                     </a:solidFill>
@@ -4979,7 +4533,7 @@
                   <a:t> is a partnership program between NOAA and the coastal states to manage designated reserves. More than 1.3 million acres of estuarine land and water are protected. Each reserve is managed on a daily basis by a lead state agency or university with input from local partners. The health of every reserve is continuously monitored by the </a:t>
                 </a:r>
                 <a:r>
-                  <a:rPr lang="en-US" sz="1400" b="1" dirty="0" smtClean="0">
+                  <a:rPr lang="en-US" sz="1400" b="1" dirty="0">
                     <a:solidFill>
                       <a:schemeClr val="bg1"/>
                     </a:solidFill>
@@ -4988,7 +4542,7 @@
                   <a:t>System Wide Monitoring Program </a:t>
                 </a:r>
                 <a:r>
-                  <a:rPr lang="en-US" sz="1400" dirty="0" smtClean="0">
+                  <a:rPr lang="en-US" sz="1400" dirty="0">
                     <a:solidFill>
                       <a:schemeClr val="bg1"/>
                     </a:solidFill>
@@ -4997,43 +4551,25 @@
                   <a:t>(</a:t>
                 </a:r>
                 <a:r>
-                  <a:rPr lang="en-US" sz="1400" b="0" dirty="0" smtClean="0">
+                  <a:rPr lang="en-US" sz="1400" b="0" dirty="0">
                     <a:solidFill>
                       <a:schemeClr val="bg1"/>
                     </a:solidFill>
                     <a:latin typeface="Garamond" panose="02020404030301010803" pitchFamily="18" charset="0"/>
                   </a:rPr>
-                  <a:t>SWMP</a:t>
+                  <a:t>SWMP).</a:t>
                 </a:r>
                 <a:r>
-                  <a:rPr lang="en-US" sz="1400" b="0" dirty="0" smtClean="0">
+                  <a:rPr lang="en-US" sz="1400" dirty="0">
                     <a:solidFill>
                       <a:schemeClr val="bg1"/>
                     </a:solidFill>
                     <a:latin typeface="Garamond" panose="02020404030301010803" pitchFamily="18" charset="0"/>
                   </a:rPr>
-                  <a:t>).</a:t>
+                  <a:t> SWMP is a </a:t>
                 </a:r>
                 <a:r>
-                  <a:rPr lang="en-US" sz="1400" dirty="0" smtClean="0">
-                    <a:solidFill>
-                      <a:schemeClr val="bg1"/>
-                    </a:solidFill>
-                    <a:latin typeface="Garamond" panose="02020404030301010803" pitchFamily="18" charset="0"/>
-                  </a:rPr>
-                  <a:t> </a:t>
-                </a:r>
-                <a:r>
-                  <a:rPr lang="en-US" sz="1400" dirty="0" smtClean="0">
-                    <a:solidFill>
-                      <a:schemeClr val="bg1"/>
-                    </a:solidFill>
-                    <a:latin typeface="Garamond" panose="02020404030301010803" pitchFamily="18" charset="0"/>
-                  </a:rPr>
-                  <a:t>SWMP is a </a:t>
-                </a:r>
-                <a:r>
-                  <a:rPr lang="en-US" sz="1400" b="1" dirty="0" smtClean="0">
+                  <a:rPr lang="en-US" sz="1400" b="1" dirty="0">
                     <a:solidFill>
                       <a:schemeClr val="bg1"/>
                     </a:solidFill>
@@ -5042,7 +4578,7 @@
                   <a:t>robust</a:t>
                 </a:r>
                 <a:r>
-                  <a:rPr lang="en-US" sz="1400" dirty="0" smtClean="0">
+                  <a:rPr lang="en-US" sz="1400" dirty="0">
                     <a:solidFill>
                       <a:schemeClr val="bg1"/>
                     </a:solidFill>
@@ -5051,7 +4587,7 @@
                   <a:t>, </a:t>
                 </a:r>
                 <a:r>
-                  <a:rPr lang="en-US" sz="1400" b="1" dirty="0" smtClean="0">
+                  <a:rPr lang="en-US" sz="1400" b="1" dirty="0">
                     <a:solidFill>
                       <a:schemeClr val="bg1"/>
                     </a:solidFill>
@@ -5060,7 +4596,7 @@
                   <a:t>long-term</a:t>
                 </a:r>
                 <a:r>
-                  <a:rPr lang="en-US" sz="1400" dirty="0" smtClean="0">
+                  <a:rPr lang="en-US" sz="1400" dirty="0">
                     <a:solidFill>
                       <a:schemeClr val="bg1"/>
                     </a:solidFill>
@@ -5069,7 +4605,7 @@
                   <a:t>, and </a:t>
                 </a:r>
                 <a:r>
-                  <a:rPr lang="en-US" sz="1400" b="1" dirty="0" smtClean="0">
+                  <a:rPr lang="en-US" sz="1400" b="1" dirty="0">
                     <a:solidFill>
                       <a:schemeClr val="bg1"/>
                     </a:solidFill>
@@ -5078,7 +4614,7 @@
                   <a:t>versatile</a:t>
                 </a:r>
                 <a:r>
-                  <a:rPr lang="en-US" sz="1400" dirty="0" smtClean="0">
+                  <a:rPr lang="en-US" sz="1400" dirty="0">
                     <a:solidFill>
                       <a:schemeClr val="bg1"/>
                     </a:solidFill>
@@ -5125,7 +4661,7 @@
               <a:lstStyle/>
               <a:p>
                 <a:r>
-                  <a:rPr lang="en-US" sz="1550" b="0" dirty="0" smtClean="0">
+                  <a:rPr lang="en-US" sz="1550" b="0" dirty="0">
                     <a:solidFill>
                       <a:schemeClr val="bg1"/>
                     </a:solidFill>
@@ -5133,12 +4669,6 @@
                   </a:rPr>
                   <a:t>Tracking The Health of Our Estuaries 24/7 </a:t>
                 </a:r>
-                <a:endParaRPr lang="en-US" sz="1550" b="0" dirty="0">
-                  <a:solidFill>
-                    <a:schemeClr val="bg1"/>
-                  </a:solidFill>
-                  <a:latin typeface="Calibri-Light"/>
-                </a:endParaRPr>
               </a:p>
             </p:txBody>
           </p:sp>
@@ -5346,14 +4876,17 @@
           <a:p>
             <a:pPr algn="ctr"/>
             <a:r>
-              <a:rPr lang="en-US" sz="1600" dirty="0" smtClean="0">
+              <a:rPr lang="en-US" sz="1600" dirty="0">
                 <a:solidFill>
                   <a:srgbClr val="444E65"/>
                 </a:solidFill>
                 <a:latin typeface="+mj-lt"/>
               </a:rPr>
-              <a:t>NERRS</a:t>
-            </a:r>
+              <a:t>NERRS is a network of 29 coastal reserves established for long-term</a:t>
+            </a:r>
+          </a:p>
+          <a:p>
+            <a:pPr algn="ctr"/>
             <a:r>
               <a:rPr lang="en-US" sz="1600" dirty="0">
                 <a:solidFill>
@@ -5364,13 +4897,13 @@
               <a:t> </a:t>
             </a:r>
             <a:r>
-              <a:rPr lang="en-US" sz="1600" dirty="0" smtClean="0">
+              <a:rPr lang="en-US" sz="1600" b="1" dirty="0">
                 <a:solidFill>
                   <a:srgbClr val="444E65"/>
                 </a:solidFill>
                 <a:latin typeface="+mj-lt"/>
               </a:rPr>
-              <a:t>is </a:t>
+              <a:t>research</a:t>
             </a:r>
             <a:r>
               <a:rPr lang="en-US" sz="1600" dirty="0">
@@ -5379,16 +4912,16 @@
                 </a:solidFill>
                 <a:latin typeface="+mj-lt"/>
               </a:rPr>
-              <a:t>a network of 29 </a:t>
-            </a:r>
-            <a:r>
-              <a:rPr lang="en-US" sz="1600" dirty="0" smtClean="0">
+              <a:t>, </a:t>
+            </a:r>
+            <a:r>
+              <a:rPr lang="en-US" sz="1600" b="1" dirty="0">
                 <a:solidFill>
                   <a:srgbClr val="444E65"/>
                 </a:solidFill>
                 <a:latin typeface="+mj-lt"/>
               </a:rPr>
-              <a:t>coastal </a:t>
+              <a:t>education</a:t>
             </a:r>
             <a:r>
               <a:rPr lang="en-US" sz="1600" dirty="0">
@@ -5397,89 +4930,26 @@
                 </a:solidFill>
                 <a:latin typeface="+mj-lt"/>
               </a:rPr>
-              <a:t>reserves established for </a:t>
-            </a:r>
-            <a:r>
-              <a:rPr lang="en-US" sz="1600" dirty="0" smtClean="0">
+              <a:t> and </a:t>
+            </a:r>
+            <a:r>
+              <a:rPr lang="en-US" sz="1600" b="1" dirty="0">
                 <a:solidFill>
                   <a:srgbClr val="444E65"/>
                 </a:solidFill>
                 <a:latin typeface="+mj-lt"/>
               </a:rPr>
-              <a:t>long-term</a:t>
-            </a:r>
-          </a:p>
-          <a:p>
-            <a:pPr algn="ctr"/>
-            <a:r>
-              <a:rPr lang="en-US" sz="1600" dirty="0" smtClean="0">
+              <a:t>stewardship</a:t>
+            </a:r>
+            <a:r>
+              <a:rPr lang="en-US" sz="1600" dirty="0">
                 <a:solidFill>
                   <a:srgbClr val="444E65"/>
                 </a:solidFill>
                 <a:latin typeface="+mj-lt"/>
               </a:rPr>
-              <a:t> </a:t>
-            </a:r>
-            <a:r>
-              <a:rPr lang="en-US" sz="1600" b="1" dirty="0">
-                <a:solidFill>
-                  <a:srgbClr val="444E65"/>
-                </a:solidFill>
-                <a:latin typeface="+mj-lt"/>
-              </a:rPr>
-              <a:t>research</a:t>
-            </a:r>
-            <a:r>
-              <a:rPr lang="en-US" sz="1600" dirty="0">
-                <a:solidFill>
-                  <a:srgbClr val="444E65"/>
-                </a:solidFill>
-                <a:latin typeface="+mj-lt"/>
-              </a:rPr>
-              <a:t>, </a:t>
-            </a:r>
-            <a:r>
-              <a:rPr lang="en-US" sz="1600" b="1" dirty="0">
-                <a:solidFill>
-                  <a:srgbClr val="444E65"/>
-                </a:solidFill>
-                <a:latin typeface="+mj-lt"/>
-              </a:rPr>
-              <a:t>education</a:t>
-            </a:r>
-            <a:r>
-              <a:rPr lang="en-US" sz="1600" dirty="0">
-                <a:solidFill>
-                  <a:srgbClr val="444E65"/>
-                </a:solidFill>
-                <a:latin typeface="+mj-lt"/>
-              </a:rPr>
-              <a:t> and </a:t>
-            </a:r>
-            <a:r>
-              <a:rPr lang="en-US" sz="1600" b="1" dirty="0">
-                <a:solidFill>
-                  <a:srgbClr val="444E65"/>
-                </a:solidFill>
-                <a:latin typeface="+mj-lt"/>
-              </a:rPr>
-              <a:t>stewardship</a:t>
-            </a:r>
-            <a:r>
-              <a:rPr lang="en-US" sz="1600" dirty="0" smtClean="0">
-                <a:solidFill>
-                  <a:srgbClr val="444E65"/>
-                </a:solidFill>
-                <a:latin typeface="+mj-lt"/>
-              </a:rPr>
               <a:t>.</a:t>
             </a:r>
-            <a:endParaRPr lang="en-US" sz="1600" dirty="0">
-              <a:solidFill>
-                <a:srgbClr val="444E65"/>
-              </a:solidFill>
-              <a:latin typeface="+mj-lt"/>
-            </a:endParaRPr>
           </a:p>
         </p:txBody>
       </p:sp>
@@ -5506,7 +4976,7 @@
           <a:lstStyle/>
           <a:p>
             <a:r>
-              <a:rPr lang="en-US" b="0" dirty="0" smtClean="0">
+              <a:rPr lang="en-US" b="0" dirty="0">
                 <a:solidFill>
                   <a:schemeClr val="tx1">
                     <a:lumMod val="65000"/>
@@ -5515,29 +4985,8 @@
                 </a:solidFill>
                 <a:latin typeface="Calibri-Light"/>
               </a:rPr>
-              <a:t>More </a:t>
-            </a:r>
-            <a:r>
-              <a:rPr lang="en-US" b="0" dirty="0" smtClean="0">
-                <a:solidFill>
-                  <a:schemeClr val="tx1">
-                    <a:lumMod val="65000"/>
-                    <a:lumOff val="35000"/>
-                  </a:schemeClr>
-                </a:solidFill>
-                <a:latin typeface="Calibri-Light"/>
-              </a:rPr>
-              <a:t>Information…</a:t>
-            </a:r>
-            <a:endParaRPr lang="en-US" b="0" dirty="0">
-              <a:solidFill>
-                <a:schemeClr val="tx1">
-                  <a:lumMod val="65000"/>
-                  <a:lumOff val="35000"/>
-                </a:schemeClr>
-              </a:solidFill>
-              <a:latin typeface="Calibri-Light"/>
-            </a:endParaRPr>
+              <a:t>More Information…</a:t>
+            </a:r>
           </a:p>
         </p:txBody>
       </p:sp>
@@ -5564,7 +5013,7 @@
           <a:lstStyle/>
           <a:p>
             <a:r>
-              <a:rPr lang="en-US" sz="1400" b="0" dirty="0" smtClean="0">
+              <a:rPr lang="en-US" sz="1400" b="0" dirty="0">
                 <a:solidFill>
                   <a:srgbClr val="444E65"/>
                 </a:solidFill>
@@ -5572,12 +5021,6 @@
               </a:rPr>
               <a:t>For Stakeholders</a:t>
             </a:r>
-            <a:endParaRPr lang="en-US" sz="1400" b="0" dirty="0">
-              <a:solidFill>
-                <a:srgbClr val="444E65"/>
-              </a:solidFill>
-              <a:latin typeface="Calibri-Light"/>
-            </a:endParaRPr>
           </a:p>
         </p:txBody>
       </p:sp>
@@ -5609,47 +5052,23 @@
               </a:lnSpc>
             </a:pPr>
             <a:r>
-              <a:rPr lang="en-US" sz="1250" dirty="0" smtClean="0">
+              <a:rPr lang="en-US" sz="1250" dirty="0">
                 <a:solidFill>
                   <a:srgbClr val="404040"/>
                 </a:solidFill>
                 <a:latin typeface="Garamond" panose="02020404030301010803" pitchFamily="18" charset="0"/>
               </a:rPr>
-              <a:t>Access data at the System </a:t>
-            </a:r>
-            <a:r>
-              <a:rPr lang="en-US" sz="1250" dirty="0">
-                <a:solidFill>
-                  <a:srgbClr val="404040"/>
+              <a:t>Access data at the System Wide Monitoring Program (SWMP) Graphing Application website: </a:t>
+            </a:r>
+            <a:r>
+              <a:rPr lang="en-US" sz="1250" b="1" dirty="0">
+                <a:solidFill>
+                  <a:srgbClr val="595959"/>
                 </a:solidFill>
                 <a:latin typeface="Garamond" panose="02020404030301010803" pitchFamily="18" charset="0"/>
               </a:rPr>
-              <a:t>Wide Monitoring Program (SWMP) Graphing Application </a:t>
-            </a:r>
-            <a:r>
-              <a:rPr lang="en-US" sz="1250" dirty="0" smtClean="0">
-                <a:solidFill>
-                  <a:srgbClr val="404040"/>
-                </a:solidFill>
-                <a:latin typeface="Garamond" panose="02020404030301010803" pitchFamily="18" charset="0"/>
-              </a:rPr>
-              <a:t>website: </a:t>
-            </a:r>
-            <a:r>
-              <a:rPr lang="en-US" sz="1250" b="1" dirty="0" smtClean="0">
-                <a:solidFill>
-                  <a:srgbClr val="595959"/>
-                </a:solidFill>
-                <a:latin typeface="Garamond" panose="02020404030301010803" pitchFamily="18" charset="0"/>
-              </a:rPr>
               <a:t>https://coast.noaa.gov/swmp/</a:t>
             </a:r>
-            <a:endParaRPr lang="en-US" sz="1250" b="1" dirty="0">
-              <a:solidFill>
-                <a:srgbClr val="595959"/>
-              </a:solidFill>
-              <a:latin typeface="Garamond" panose="02020404030301010803" pitchFamily="18" charset="0"/>
-            </a:endParaRPr>
           </a:p>
         </p:txBody>
       </p:sp>
@@ -5676,7 +5095,7 @@
           <a:lstStyle/>
           <a:p>
             <a:r>
-              <a:rPr lang="en-US" sz="1400" b="0" dirty="0" smtClean="0">
+              <a:rPr lang="en-US" sz="1400" b="0" dirty="0">
                 <a:solidFill>
                   <a:srgbClr val="444E65"/>
                 </a:solidFill>
@@ -5684,12 +5103,6 @@
               </a:rPr>
               <a:t>For Scientists</a:t>
             </a:r>
-            <a:endParaRPr lang="en-US" sz="1400" b="0" dirty="0">
-              <a:solidFill>
-                <a:srgbClr val="444E65"/>
-              </a:solidFill>
-              <a:latin typeface="Calibri-Light"/>
-            </a:endParaRPr>
           </a:p>
         </p:txBody>
       </p:sp>
@@ -5721,29 +5134,14 @@
               </a:lnSpc>
             </a:pPr>
             <a:r>
-              <a:rPr lang="en-US" sz="1250" dirty="0" smtClean="0">
+              <a:rPr lang="en-US" sz="1250" dirty="0">
                 <a:solidFill>
                   <a:srgbClr val="404040"/>
                 </a:solidFill>
                 <a:latin typeface="Garamond" panose="02020404030301010803" pitchFamily="18" charset="0"/>
               </a:rPr>
-              <a:t>Access data at </a:t>
-            </a:r>
-            <a:r>
-              <a:rPr lang="en-US" sz="1250" dirty="0">
-                <a:solidFill>
-                  <a:srgbClr val="404040"/>
-                </a:solidFill>
-                <a:latin typeface="Garamond" panose="02020404030301010803" pitchFamily="18" charset="0"/>
-              </a:rPr>
-              <a:t>the </a:t>
-            </a:r>
-            <a:endParaRPr lang="en-US" sz="1250" dirty="0" smtClean="0">
-              <a:solidFill>
-                <a:srgbClr val="404040"/>
-              </a:solidFill>
-              <a:latin typeface="Garamond" panose="02020404030301010803" pitchFamily="18" charset="0"/>
-            </a:endParaRPr>
+              <a:t>Access data at the </a:t>
+            </a:r>
           </a:p>
           <a:p>
             <a:pPr algn="ctr">
@@ -5752,29 +5150,14 @@
               </a:lnSpc>
             </a:pPr>
             <a:r>
-              <a:rPr lang="en-US" sz="1250" dirty="0" smtClean="0">
+              <a:rPr lang="en-US" sz="1250" dirty="0">
                 <a:solidFill>
                   <a:srgbClr val="404040"/>
                 </a:solidFill>
                 <a:latin typeface="Garamond" panose="02020404030301010803" pitchFamily="18" charset="0"/>
               </a:rPr>
-              <a:t>Central </a:t>
-            </a:r>
-            <a:r>
-              <a:rPr lang="en-US" sz="1250" dirty="0">
-                <a:solidFill>
-                  <a:srgbClr val="404040"/>
-                </a:solidFill>
-                <a:latin typeface="Garamond" panose="02020404030301010803" pitchFamily="18" charset="0"/>
-              </a:rPr>
-              <a:t>Data Management Office </a:t>
-            </a:r>
-            <a:endParaRPr lang="en-US" sz="1250" dirty="0" smtClean="0">
-              <a:solidFill>
-                <a:srgbClr val="404040"/>
-              </a:solidFill>
-              <a:latin typeface="Garamond" panose="02020404030301010803" pitchFamily="18" charset="0"/>
-            </a:endParaRPr>
+              <a:t>Central Data Management Office </a:t>
+            </a:r>
           </a:p>
           <a:p>
             <a:pPr algn="ctr">
@@ -5783,31 +5166,13 @@
               </a:lnSpc>
             </a:pPr>
             <a:r>
-              <a:rPr lang="en-US" sz="1250" dirty="0" smtClean="0">
+              <a:rPr lang="en-US" sz="1250" dirty="0">
                 <a:solidFill>
                   <a:srgbClr val="404040"/>
                 </a:solidFill>
                 <a:latin typeface="Garamond" panose="02020404030301010803" pitchFamily="18" charset="0"/>
               </a:rPr>
-              <a:t>(</a:t>
-            </a:r>
-            <a:r>
-              <a:rPr lang="en-US" sz="1250" dirty="0">
-                <a:solidFill>
-                  <a:srgbClr val="404040"/>
-                </a:solidFill>
-                <a:latin typeface="Garamond" panose="02020404030301010803" pitchFamily="18" charset="0"/>
-              </a:rPr>
-              <a:t>CDMO) </a:t>
-            </a:r>
-            <a:r>
-              <a:rPr lang="en-US" sz="1250" dirty="0" smtClean="0">
-                <a:solidFill>
-                  <a:srgbClr val="404040"/>
-                </a:solidFill>
-                <a:latin typeface="Garamond" panose="02020404030301010803" pitchFamily="18" charset="0"/>
-              </a:rPr>
-              <a:t>website: </a:t>
+              <a:t>(CDMO) website: </a:t>
             </a:r>
             <a:r>
               <a:rPr lang="en-US" sz="1250" b="1" dirty="0">
@@ -5917,7 +5282,7 @@
           <a:p>
             <a:pPr lvl="0"/>
             <a:r>
-              <a:rPr lang="en-US" dirty="0" smtClean="0"/>
+              <a:rPr lang="en-US" dirty="0"/>
               <a:t>Reserve Contact Information goes here</a:t>
             </a:r>
           </a:p>
@@ -5947,7 +5312,7 @@
           <a:p>
             <a:pPr algn="l"/>
             <a:r>
-              <a:rPr lang="en-US" sz="2000" b="1" dirty="0" smtClean="0">
+              <a:rPr lang="en-US" sz="2000" b="1" dirty="0">
                 <a:solidFill>
                   <a:srgbClr val="444E65"/>
                 </a:solidFill>
@@ -5956,22 +5321,13 @@
               <a:t>[MANUAL EDIT NAME] </a:t>
             </a:r>
             <a:r>
-              <a:rPr lang="en-US" sz="2000" dirty="0" smtClean="0">
+              <a:rPr lang="en-US" sz="2000" dirty="0">
                 <a:solidFill>
                   <a:srgbClr val="444E65"/>
                 </a:solidFill>
                 <a:latin typeface="+mj-lt"/>
               </a:rPr>
-              <a:t>- providing </a:t>
-            </a:r>
-            <a:r>
-              <a:rPr lang="en-US" sz="2000" dirty="0">
-                <a:solidFill>
-                  <a:srgbClr val="444E65"/>
-                </a:solidFill>
-                <a:latin typeface="+mj-lt"/>
-              </a:rPr>
-              <a:t>the </a:t>
+              <a:t>- providing the </a:t>
             </a:r>
             <a:r>
               <a:rPr lang="en-US" sz="2000" b="0" dirty="0">
